--- a/actas/Presentación de Proyectos.pptx
+++ b/actas/Presentación de Proyectos.pptx
@@ -254,7 +254,7 @@
           <a:p>
             <a:fld id="{AE592E58-6197-4EF6-BCB4-BE73FA478DAE}" type="datetimeFigureOut">
               <a:rPr lang="es-CO" smtClean="0"/>
-              <a:t>17/09/2022</a:t>
+              <a:t>18/09/2022</a:t>
             </a:fld>
             <a:endParaRPr lang="es-CO"/>
           </a:p>
@@ -424,7 +424,7 @@
           <a:p>
             <a:fld id="{AE592E58-6197-4EF6-BCB4-BE73FA478DAE}" type="datetimeFigureOut">
               <a:rPr lang="es-CO" smtClean="0"/>
-              <a:t>17/09/2022</a:t>
+              <a:t>18/09/2022</a:t>
             </a:fld>
             <a:endParaRPr lang="es-CO"/>
           </a:p>
@@ -604,7 +604,7 @@
           <a:p>
             <a:fld id="{AE592E58-6197-4EF6-BCB4-BE73FA478DAE}" type="datetimeFigureOut">
               <a:rPr lang="es-CO" smtClean="0"/>
-              <a:t>17/09/2022</a:t>
+              <a:t>18/09/2022</a:t>
             </a:fld>
             <a:endParaRPr lang="es-CO"/>
           </a:p>
@@ -774,7 +774,7 @@
           <a:p>
             <a:fld id="{AE592E58-6197-4EF6-BCB4-BE73FA478DAE}" type="datetimeFigureOut">
               <a:rPr lang="es-CO" smtClean="0"/>
-              <a:t>17/09/2022</a:t>
+              <a:t>18/09/2022</a:t>
             </a:fld>
             <a:endParaRPr lang="es-CO"/>
           </a:p>
@@ -1020,7 +1020,7 @@
           <a:p>
             <a:fld id="{AE592E58-6197-4EF6-BCB4-BE73FA478DAE}" type="datetimeFigureOut">
               <a:rPr lang="es-CO" smtClean="0"/>
-              <a:t>17/09/2022</a:t>
+              <a:t>18/09/2022</a:t>
             </a:fld>
             <a:endParaRPr lang="es-CO"/>
           </a:p>
@@ -1252,7 +1252,7 @@
           <a:p>
             <a:fld id="{AE592E58-6197-4EF6-BCB4-BE73FA478DAE}" type="datetimeFigureOut">
               <a:rPr lang="es-CO" smtClean="0"/>
-              <a:t>17/09/2022</a:t>
+              <a:t>18/09/2022</a:t>
             </a:fld>
             <a:endParaRPr lang="es-CO"/>
           </a:p>
@@ -1619,7 +1619,7 @@
           <a:p>
             <a:fld id="{AE592E58-6197-4EF6-BCB4-BE73FA478DAE}" type="datetimeFigureOut">
               <a:rPr lang="es-CO" smtClean="0"/>
-              <a:t>17/09/2022</a:t>
+              <a:t>18/09/2022</a:t>
             </a:fld>
             <a:endParaRPr lang="es-CO"/>
           </a:p>
@@ -1737,7 +1737,7 @@
           <a:p>
             <a:fld id="{AE592E58-6197-4EF6-BCB4-BE73FA478DAE}" type="datetimeFigureOut">
               <a:rPr lang="es-CO" smtClean="0"/>
-              <a:t>17/09/2022</a:t>
+              <a:t>18/09/2022</a:t>
             </a:fld>
             <a:endParaRPr lang="es-CO"/>
           </a:p>
@@ -1832,7 +1832,7 @@
           <a:p>
             <a:fld id="{AE592E58-6197-4EF6-BCB4-BE73FA478DAE}" type="datetimeFigureOut">
               <a:rPr lang="es-CO" smtClean="0"/>
-              <a:t>17/09/2022</a:t>
+              <a:t>18/09/2022</a:t>
             </a:fld>
             <a:endParaRPr lang="es-CO"/>
           </a:p>
@@ -2109,7 +2109,7 @@
           <a:p>
             <a:fld id="{AE592E58-6197-4EF6-BCB4-BE73FA478DAE}" type="datetimeFigureOut">
               <a:rPr lang="es-CO" smtClean="0"/>
-              <a:t>17/09/2022</a:t>
+              <a:t>18/09/2022</a:t>
             </a:fld>
             <a:endParaRPr lang="es-CO"/>
           </a:p>
@@ -2362,7 +2362,7 @@
           <a:p>
             <a:fld id="{AE592E58-6197-4EF6-BCB4-BE73FA478DAE}" type="datetimeFigureOut">
               <a:rPr lang="es-CO" smtClean="0"/>
-              <a:t>17/09/2022</a:t>
+              <a:t>18/09/2022</a:t>
             </a:fld>
             <a:endParaRPr lang="es-CO"/>
           </a:p>
@@ -2582,7 +2582,7 @@
           <a:p>
             <a:fld id="{AE592E58-6197-4EF6-BCB4-BE73FA478DAE}" type="datetimeFigureOut">
               <a:rPr lang="es-CO" smtClean="0"/>
-              <a:t>17/09/2022</a:t>
+              <a:t>18/09/2022</a:t>
             </a:fld>
             <a:endParaRPr lang="es-CO"/>
           </a:p>
@@ -3891,7 +3891,7 @@
         </p:blipFill>
         <p:spPr>
           <a:xfrm>
-            <a:off x="1308296" y="1194887"/>
+            <a:off x="1602764" y="-171141"/>
             <a:ext cx="9352075" cy="1926503"/>
           </a:xfrm>
           <a:prstGeom prst="rect">
@@ -3901,10 +3901,10 @@
       </p:pic>
       <p:sp>
         <p:nvSpPr>
-          <p:cNvPr id="8" name="CuadroTexto 7">
+          <p:cNvPr id="2" name="CuadroTexto 1">
             <a:extLst>
               <a:ext uri="{FF2B5EF4-FFF2-40B4-BE49-F238E27FC236}">
-                <a16:creationId xmlns:a16="http://schemas.microsoft.com/office/drawing/2014/main" id="{F0110580-97A9-8186-3324-3BC7A7ABDF23}"/>
+                <a16:creationId xmlns:a16="http://schemas.microsoft.com/office/drawing/2014/main" id="{E6401A19-B41C-494C-3980-3C16BAD67FC8}"/>
               </a:ext>
             </a:extLst>
           </p:cNvPr>
@@ -3913,8 +3913,8 @@
         </p:nvSpPr>
         <p:spPr>
           <a:xfrm>
-            <a:off x="3030581" y="5693953"/>
-            <a:ext cx="8882743" cy="707886"/>
+            <a:off x="657666" y="4967706"/>
+            <a:ext cx="11242269" cy="646331"/>
           </a:xfrm>
           <a:prstGeom prst="rect">
             <a:avLst/>
@@ -3927,25 +3927,49 @@
           </a:bodyPr>
           <a:lstStyle/>
           <a:p>
-            <a:pPr algn="r"/>
-            <a:r>
-              <a:rPr lang="es-CO" sz="4000" dirty="0">
-                <a:latin typeface="Georgia" panose="02040502050405020303" pitchFamily="18" charset="0"/>
-              </a:rPr>
-              <a:t>Mostrar directamente o en </a:t>
-            </a:r>
-            <a:r>
-              <a:rPr lang="es-CO" sz="4000" dirty="0" err="1">
-                <a:latin typeface="Georgia" panose="02040502050405020303" pitchFamily="18" charset="0"/>
-              </a:rPr>
-              <a:t>Trello</a:t>
-            </a:r>
-            <a:endParaRPr lang="es-CO" sz="4000" dirty="0">
-              <a:latin typeface="Georgia" panose="02040502050405020303" pitchFamily="18" charset="0"/>
-            </a:endParaRPr>
-          </a:p>
-        </p:txBody>
-      </p:sp>
+            <a:r>
+              <a:rPr lang="es-CO" sz="3600" dirty="0"/>
+              <a:t>https://github.com/SneyderMotta/COFFILOMBIA-GP70.git</a:t>
+            </a:r>
+          </a:p>
+        </p:txBody>
+      </p:sp>
+      <p:pic>
+        <p:nvPicPr>
+          <p:cNvPr id="10" name="Imagen 9">
+            <a:extLst>
+              <a:ext uri="{FF2B5EF4-FFF2-40B4-BE49-F238E27FC236}">
+                <a16:creationId xmlns:a16="http://schemas.microsoft.com/office/drawing/2014/main" id="{6CA21FD8-8904-28BA-347C-8D407761F947}"/>
+              </a:ext>
+            </a:extLst>
+          </p:cNvPr>
+          <p:cNvPicPr>
+            <a:picLocks noChangeAspect="1"/>
+          </p:cNvPicPr>
+          <p:nvPr/>
+        </p:nvPicPr>
+        <p:blipFill>
+          <a:blip r:embed="rId5">
+            <a:extLst>
+              <a:ext uri="{28A0092B-C50C-407E-A947-70E740481C1C}">
+                <a14:useLocalDpi xmlns:a14="http://schemas.microsoft.com/office/drawing/2010/main" val="0"/>
+              </a:ext>
+            </a:extLst>
+          </a:blip>
+          <a:stretch>
+            <a:fillRect/>
+          </a:stretch>
+        </p:blipFill>
+        <p:spPr>
+          <a:xfrm>
+            <a:off x="2784529" y="1324990"/>
+            <a:ext cx="6328475" cy="3558030"/>
+          </a:xfrm>
+          <a:prstGeom prst="rect">
+            <a:avLst/>
+          </a:prstGeom>
+        </p:spPr>
+      </p:pic>
     </p:spTree>
     <p:extLst>
       <p:ext uri="{BB962C8B-B14F-4D97-AF65-F5344CB8AC3E}">
@@ -4377,7 +4401,7 @@
         </p:nvSpPr>
         <p:spPr>
           <a:xfrm>
-            <a:off x="692330" y="1097281"/>
+            <a:off x="1823706" y="373899"/>
             <a:ext cx="10881361" cy="1200329"/>
           </a:xfrm>
           <a:prstGeom prst="rect">
@@ -4409,56 +4433,41 @@
           </a:p>
         </p:txBody>
       </p:sp>
-      <p:sp>
-        <p:nvSpPr>
-          <p:cNvPr id="3" name="CuadroTexto 2">
+      <p:pic>
+        <p:nvPicPr>
+          <p:cNvPr id="7" name="Imagen 6">
             <a:extLst>
               <a:ext uri="{FF2B5EF4-FFF2-40B4-BE49-F238E27FC236}">
-                <a16:creationId xmlns:a16="http://schemas.microsoft.com/office/drawing/2014/main" id="{B1EF9349-1ADA-0C13-064B-761C7C19709E}"/>
+                <a16:creationId xmlns:a16="http://schemas.microsoft.com/office/drawing/2014/main" id="{713EF8B9-FDD2-3F30-E4BF-C276CDFA5F0B}"/>
               </a:ext>
             </a:extLst>
           </p:cNvPr>
-          <p:cNvSpPr txBox="1"/>
+          <p:cNvPicPr>
+            <a:picLocks noChangeAspect="1"/>
+          </p:cNvPicPr>
           <p:nvPr/>
-        </p:nvSpPr>
-        <p:spPr>
-          <a:xfrm>
-            <a:off x="3007721" y="6083991"/>
-            <a:ext cx="8882743" cy="400110"/>
+        </p:nvPicPr>
+        <p:blipFill rotWithShape="1">
+          <a:blip r:embed="rId4">
+            <a:extLst>
+              <a:ext uri="{28A0092B-C50C-407E-A947-70E740481C1C}">
+                <a14:useLocalDpi xmlns:a14="http://schemas.microsoft.com/office/drawing/2010/main" val="0"/>
+              </a:ext>
+            </a:extLst>
+          </a:blip>
+          <a:srcRect t="5779" r="13136" b="20439"/>
+          <a:stretch/>
+        </p:blipFill>
+        <p:spPr>
+          <a:xfrm>
+            <a:off x="1971787" y="1605114"/>
+            <a:ext cx="7637162" cy="4314064"/>
           </a:xfrm>
           <a:prstGeom prst="rect">
             <a:avLst/>
           </a:prstGeom>
-          <a:noFill/>
-        </p:spPr>
-        <p:txBody>
-          <a:bodyPr wrap="square" rtlCol="0">
-            <a:spAutoFit/>
-          </a:bodyPr>
-          <a:lstStyle/>
-          <a:p>
-            <a:pPr algn="r"/>
-            <a:r>
-              <a:rPr lang="es-CO" sz="2000" dirty="0">
-                <a:latin typeface="Georgia" panose="02040502050405020303" pitchFamily="18" charset="0"/>
-              </a:rPr>
-              <a:t>Pegar el esquema del </a:t>
-            </a:r>
-            <a:r>
-              <a:rPr lang="es-CO" sz="2000" dirty="0" err="1">
-                <a:latin typeface="Georgia" panose="02040502050405020303" pitchFamily="18" charset="0"/>
-              </a:rPr>
-              <a:t>MVC</a:t>
-            </a:r>
-            <a:r>
-              <a:rPr lang="es-CO" sz="2000" dirty="0">
-                <a:latin typeface="Georgia" panose="02040502050405020303" pitchFamily="18" charset="0"/>
-              </a:rPr>
-              <a:t> y explicar</a:t>
-            </a:r>
-          </a:p>
-        </p:txBody>
-      </p:sp>
+        </p:spPr>
+      </p:pic>
     </p:spTree>
     <p:extLst>
       <p:ext uri="{BB962C8B-B14F-4D97-AF65-F5344CB8AC3E}">
@@ -4719,7 +4728,7 @@
         </p:nvSpPr>
         <p:spPr>
           <a:xfrm>
-            <a:off x="692330" y="1097281"/>
+            <a:off x="1591232" y="0"/>
             <a:ext cx="10881361" cy="1200329"/>
           </a:xfrm>
           <a:prstGeom prst="rect">
@@ -4780,6 +4789,36 @@
           </a:p>
         </p:txBody>
       </p:sp>
+      <p:pic>
+        <p:nvPicPr>
+          <p:cNvPr id="9" name="Imagen 8">
+            <a:extLst>
+              <a:ext uri="{FF2B5EF4-FFF2-40B4-BE49-F238E27FC236}">
+                <a16:creationId xmlns:a16="http://schemas.microsoft.com/office/drawing/2014/main" id="{B79EADEF-3EE3-A42F-A466-FE8E3A4ED30E}"/>
+              </a:ext>
+            </a:extLst>
+          </p:cNvPr>
+          <p:cNvPicPr>
+            <a:picLocks noChangeAspect="1"/>
+          </p:cNvPicPr>
+          <p:nvPr/>
+        </p:nvPicPr>
+        <p:blipFill>
+          <a:blip r:embed="rId4"/>
+          <a:stretch>
+            <a:fillRect/>
+          </a:stretch>
+        </p:blipFill>
+        <p:spPr>
+          <a:xfrm>
+            <a:off x="1718576" y="1200329"/>
+            <a:ext cx="8448312" cy="4538144"/>
+          </a:xfrm>
+          <a:prstGeom prst="rect">
+            <a:avLst/>
+          </a:prstGeom>
+        </p:spPr>
+      </p:pic>
     </p:spTree>
     <p:extLst>
       <p:ext uri="{BB962C8B-B14F-4D97-AF65-F5344CB8AC3E}">
